--- a/Experiments/Part5-GameTheory/Leech-Games/Peer-like-similarity-leach-payoff.pptx
+++ b/Experiments/Part5-GameTheory/Leech-Games/Peer-like-similarity-leach-payoff.pptx
@@ -3104,14 +3104,14 @@
           <p:nvPr>
             <p:extLst>
               <p:ext uri="{D42A27DB-BD31-4B8C-83A1-F6EECF244321}">
-                <p14:modId xmlns:p14="http://schemas.microsoft.com/office/powerpoint/2010/main" val="2550780773"/>
+                <p14:modId xmlns:p14="http://schemas.microsoft.com/office/powerpoint/2010/main" val="511785290"/>
               </p:ext>
             </p:extLst>
           </p:nvPr>
         </p:nvGraphicFramePr>
         <p:xfrm>
           <a:off x="600363" y="484911"/>
-          <a:ext cx="7897092" cy="5657271"/>
+          <a:ext cx="7897092" cy="5909116"/>
         </p:xfrm>
         <a:graphic>
           <a:graphicData uri="http://schemas.openxmlformats.org/drawingml/2006/table">
@@ -3146,7 +3146,11 @@
                       </a:r>
                       <a:r>
                         <a:rPr lang="en-US" baseline="0" dirty="0" smtClean="0"/>
-                        <a:t> Doc-pop</a:t>
+                        <a:t> </a:t>
+                      </a:r>
+                      <a:r>
+                        <a:rPr lang="en-US" baseline="0" dirty="0" smtClean="0"/>
+                        <a:t>Peer-like-similarity</a:t>
                       </a:r>
                       <a:endParaRPr lang="en-US" dirty="0"/>
                     </a:p>
@@ -3160,7 +3164,11 @@
                     <a:p>
                       <a:r>
                         <a:rPr lang="en-US" dirty="0" smtClean="0"/>
-                        <a:t>Major  Leech-Doc-pop</a:t>
+                        <a:t>Major  Leech</a:t>
+                      </a:r>
+                      <a:r>
+                        <a:rPr lang="en-US" dirty="0" smtClean="0"/>
+                        <a:t>-Peer-like-similarity</a:t>
                       </a:r>
                       <a:endParaRPr lang="en-US" dirty="0"/>
                     </a:p>
@@ -3176,7 +3184,11 @@
                     <a:p>
                       <a:r>
                         <a:rPr lang="en-US" dirty="0" smtClean="0"/>
-                        <a:t>Minor Doc-pop</a:t>
+                        <a:t>Minor </a:t>
+                      </a:r>
+                      <a:r>
+                        <a:rPr lang="en-US" dirty="0" smtClean="0"/>
+                        <a:t>Peer-like-similarity</a:t>
                       </a:r>
                       <a:endParaRPr lang="en-US" dirty="0"/>
                     </a:p>
@@ -3207,12 +3219,17 @@
                       </a:pPr>
                       <a:r>
                         <a:rPr lang="en-US" baseline="0" dirty="0" smtClean="0"/>
-                        <a:t>                                    </a:t>
+                        <a:t>                                  </a:t>
+                      </a:r>
+                      <a:r>
+                        <a:rPr lang="en-US" baseline="0" dirty="0" smtClean="0"/>
+                        <a:t>   </a:t>
                       </a:r>
                       <a:r>
                         <a:rPr lang="en-US" dirty="0" smtClean="0"/>
-                        <a:t>2228</a:t>
+                        <a:t>7531</a:t>
                       </a:r>
+                      <a:endParaRPr lang="en-US" dirty="0" smtClean="0"/>
                     </a:p>
                     <a:p>
                       <a:endParaRPr lang="en-US" dirty="0" smtClean="0"/>
@@ -3221,6 +3238,13 @@
                       <a:endParaRPr lang="en-US" dirty="0" smtClean="0"/>
                     </a:p>
                     <a:p>
+                      <a:endParaRPr lang="en-US" dirty="0" smtClean="0"/>
+                    </a:p>
+                    <a:p>
+                      <a:r>
+                        <a:rPr lang="en-US" smtClean="0"/>
+                        <a:t>7050</a:t>
+                      </a:r>
                       <a:endParaRPr lang="en-US" dirty="0" smtClean="0"/>
                     </a:p>
                     <a:p>
@@ -3246,7 +3270,7 @@
                       </a:pPr>
                       <a:r>
                         <a:rPr lang="en-US" dirty="0" smtClean="0"/>
-                        <a:t> -2497</a:t>
+                        <a:t> </a:t>
                       </a:r>
                     </a:p>
                   </a:txBody>
@@ -3259,8 +3283,13 @@
                     <a:p>
                       <a:r>
                         <a:rPr lang="en-US" dirty="0" smtClean="0"/>
-                        <a:t>                            -7309</a:t>
+                        <a:t>                            </a:t>
                       </a:r>
+                      <a:r>
+                        <a:rPr lang="en-US" dirty="0" smtClean="0"/>
+                        <a:t>           -26</a:t>
+                      </a:r>
+                      <a:endParaRPr lang="en-US" dirty="0" smtClean="0"/>
                     </a:p>
                     <a:p>
                       <a:endParaRPr lang="en-US" dirty="0" smtClean="0"/>
@@ -3274,7 +3303,7 @@
                     <a:p>
                       <a:r>
                         <a:rPr lang="en-US" dirty="0" smtClean="0"/>
-                        <a:t>7129</a:t>
+                        <a:t>7043</a:t>
                       </a:r>
                       <a:endParaRPr lang="en-US" dirty="0"/>
                     </a:p>
@@ -3290,7 +3319,11 @@
                     <a:p>
                       <a:r>
                         <a:rPr lang="en-US" dirty="0" smtClean="0"/>
-                        <a:t>Minor Leech-Doc-pop</a:t>
+                        <a:t>Minor </a:t>
+                      </a:r>
+                      <a:r>
+                        <a:rPr lang="en-US" dirty="0" smtClean="0"/>
+                        <a:t>Leech-peer-like-similarity</a:t>
                       </a:r>
                       <a:endParaRPr lang="en-US" dirty="0"/>
                     </a:p>
@@ -3304,8 +3337,16 @@
                     <a:p>
                       <a:r>
                         <a:rPr lang="en-US" dirty="0" smtClean="0"/>
-                        <a:t>                             7613</a:t>
+                        <a:t>                             </a:t>
                       </a:r>
+                      <a:r>
+                        <a:rPr lang="en-US" dirty="0" smtClean="0"/>
+                        <a:t>        7490</a:t>
+                      </a:r>
+                      <a:endParaRPr lang="en-US" dirty="0" smtClean="0"/>
+                    </a:p>
+                    <a:p>
+                      <a:endParaRPr lang="en-US" dirty="0" smtClean="0"/>
                     </a:p>
                     <a:p>
                       <a:endParaRPr lang="en-US" dirty="0" smtClean="0"/>
@@ -3319,8 +3360,9 @@
                     <a:p>
                       <a:r>
                         <a:rPr lang="en-US" dirty="0" smtClean="0"/>
-                        <a:t>-7686</a:t>
+                        <a:t>-1</a:t>
                       </a:r>
+                      <a:endParaRPr lang="en-US" dirty="0" smtClean="0"/>
                     </a:p>
                     <a:p>
                       <a:endParaRPr lang="en-US" dirty="0"/>
@@ -3339,7 +3381,7 @@
                       </a:r>
                       <a:r>
                         <a:rPr lang="en-US" baseline="0" dirty="0" smtClean="0"/>
-                        <a:t>3</a:t>
+                        <a:t>  0</a:t>
                       </a:r>
                       <a:endParaRPr lang="en-US" baseline="0" dirty="0" smtClean="0"/>
                     </a:p>
@@ -3358,7 +3400,7 @@
                     <a:p>
                       <a:r>
                         <a:rPr lang="en-US" baseline="0" dirty="0" smtClean="0"/>
-                        <a:t>44</a:t>
+                        <a:t>0</a:t>
                       </a:r>
                       <a:endParaRPr lang="en-US" baseline="0" dirty="0" smtClean="0"/>
                     </a:p>
